--- a/materials/ch18/ch18-设计后台管理.pptx
+++ b/materials/ch18/ch18-设计后台管理.pptx
@@ -543,7 +543,7 @@
           <a:p>
             <a:fld id="{10955001-8E90-43AD-87AF-166875BDDBE4}" type="datetimeFigureOut">
               <a:rPr lang="zh-CN" altLang="en-US" smtClean="0"/>
-              <a:t>2020/8/18</a:t>
+              <a:t>2020/10/6</a:t>
             </a:fld>
             <a:endParaRPr lang="zh-CN" altLang="en-US"/>
           </a:p>
@@ -775,7 +775,7 @@
           <a:p>
             <a:fld id="{10955001-8E90-43AD-87AF-166875BDDBE4}" type="datetimeFigureOut">
               <a:rPr lang="zh-CN" altLang="en-US" smtClean="0"/>
-              <a:t>2020/8/18</a:t>
+              <a:t>2020/10/6</a:t>
             </a:fld>
             <a:endParaRPr lang="zh-CN" altLang="en-US"/>
           </a:p>
@@ -1273,7 +1273,7 @@
           <a:p>
             <a:fld id="{10955001-8E90-43AD-87AF-166875BDDBE4}" type="datetimeFigureOut">
               <a:rPr lang="zh-CN" altLang="en-US" smtClean="0"/>
-              <a:t>2020/8/18</a:t>
+              <a:t>2020/10/6</a:t>
             </a:fld>
             <a:endParaRPr lang="zh-CN" altLang="en-US"/>
           </a:p>
@@ -1702,7 +1702,7 @@
           <a:p>
             <a:fld id="{10955001-8E90-43AD-87AF-166875BDDBE4}" type="datetimeFigureOut">
               <a:rPr lang="zh-CN" altLang="en-US" smtClean="0"/>
-              <a:t>2020/8/18</a:t>
+              <a:t>2020/10/6</a:t>
             </a:fld>
             <a:endParaRPr lang="zh-CN" altLang="en-US"/>
           </a:p>
@@ -2219,7 +2219,7 @@
           <a:p>
             <a:fld id="{10955001-8E90-43AD-87AF-166875BDDBE4}" type="datetimeFigureOut">
               <a:rPr lang="zh-CN" altLang="en-US" smtClean="0"/>
-              <a:t>2020/8/18</a:t>
+              <a:t>2020/10/6</a:t>
             </a:fld>
             <a:endParaRPr lang="zh-CN" altLang="en-US"/>
           </a:p>
@@ -2679,7 +2679,7 @@
           <a:p>
             <a:fld id="{10955001-8E90-43AD-87AF-166875BDDBE4}" type="datetimeFigureOut">
               <a:rPr lang="zh-CN" altLang="en-US" smtClean="0"/>
-              <a:t>2020/8/18</a:t>
+              <a:t>2020/10/6</a:t>
             </a:fld>
             <a:endParaRPr lang="zh-CN" altLang="en-US"/>
           </a:p>
@@ -2991,7 +2991,7 @@
           <a:p>
             <a:fld id="{10955001-8E90-43AD-87AF-166875BDDBE4}" type="datetimeFigureOut">
               <a:rPr lang="zh-CN" altLang="en-US" smtClean="0"/>
-              <a:t>2020/8/18</a:t>
+              <a:t>2020/10/6</a:t>
             </a:fld>
             <a:endParaRPr lang="zh-CN" altLang="en-US"/>
           </a:p>
@@ -3579,12 +3579,8 @@
           <a:lstStyle/>
           <a:p>
             <a:r>
-              <a:rPr lang="en-US" altLang="zh-CN"/>
-              <a:t>Oauth</a:t>
-            </a:r>
-            <a:r>
               <a:rPr lang="zh-CN" altLang="en-US"/>
-              <a:t>授权和微信登录</a:t>
+              <a:t>设计后台管理系统</a:t>
             </a:r>
             <a:endParaRPr lang="zh-CN" altLang="en-US" dirty="0"/>
           </a:p>
